--- a/文档/最终文档/项目总结及展示PPT.pptx
+++ b/文档/最终文档/项目总结及展示PPT.pptx
@@ -3049,6 +3049,9 @@
   <p:clrMapOvr>
     <a:masterClrMapping/>
   </p:clrMapOvr>
+  <p:transition spd="slow">
+    <p:blinds dir="vert"/>
+  </p:transition>
 </p:sldLayout>
 </file>
 
@@ -3214,6 +3217,9 @@
   <p:clrMapOvr>
     <a:masterClrMapping/>
   </p:clrMapOvr>
+  <p:transition spd="slow">
+    <p:blinds dir="vert"/>
+  </p:transition>
 </p:sldLayout>
 </file>
 
@@ -3389,6 +3395,9 @@
   <p:clrMapOvr>
     <a:masterClrMapping/>
   </p:clrMapOvr>
+  <p:transition spd="slow">
+    <p:blinds dir="vert"/>
+  </p:transition>
 </p:sldLayout>
 </file>
 
@@ -3554,6 +3563,9 @@
   <p:clrMapOvr>
     <a:masterClrMapping/>
   </p:clrMapOvr>
+  <p:transition spd="slow">
+    <p:blinds dir="vert"/>
+  </p:transition>
 </p:sldLayout>
 </file>
 
@@ -3795,6 +3807,9 @@
   <p:clrMapOvr>
     <a:masterClrMapping/>
   </p:clrMapOvr>
+  <p:transition spd="slow">
+    <p:blinds dir="vert"/>
+  </p:transition>
 </p:sldLayout>
 </file>
 
@@ -4022,6 +4037,9 @@
   <p:clrMapOvr>
     <a:masterClrMapping/>
   </p:clrMapOvr>
+  <p:transition spd="slow">
+    <p:blinds dir="vert"/>
+  </p:transition>
 </p:sldLayout>
 </file>
 
@@ -4447,6 +4465,9 @@
   <p:clrMapOvr>
     <a:masterClrMapping/>
   </p:clrMapOvr>
+  <p:transition spd="slow">
+    <p:blinds dir="vert"/>
+  </p:transition>
 </p:sldLayout>
 </file>
 
@@ -4560,6 +4581,9 @@
   <p:clrMapOvr>
     <a:masterClrMapping/>
   </p:clrMapOvr>
+  <p:transition spd="slow">
+    <p:blinds dir="vert"/>
+  </p:transition>
 </p:sldLayout>
 </file>
 
@@ -4650,6 +4674,9 @@
   <p:clrMapOvr>
     <a:masterClrMapping/>
   </p:clrMapOvr>
+  <p:transition spd="slow">
+    <p:blinds dir="vert"/>
+  </p:transition>
 </p:sldLayout>
 </file>
 
@@ -7592,6 +7619,9 @@
   <p:clrMapOvr>
     <a:masterClrMapping/>
   </p:clrMapOvr>
+  <p:transition spd="slow">
+    <p:blinds dir="vert"/>
+  </p:transition>
 </p:sldLayout>
 </file>
 
@@ -10520,6 +10550,9 @@
   <p:clrMapOvr>
     <a:masterClrMapping/>
   </p:clrMapOvr>
+  <p:transition spd="slow">
+    <p:blinds dir="vert"/>
+  </p:transition>
 </p:sldLayout>
 </file>
 
@@ -13378,6 +13411,9 @@
     <p:sldLayoutId id="2147483682" r:id="rId10"/>
     <p:sldLayoutId id="2147483683" r:id="rId11"/>
   </p:sldLayoutIdLst>
+  <p:transition spd="slow">
+    <p:blinds dir="vert"/>
+  </p:transition>
   <p:txStyles>
     <p:titleStyle>
       <a:lvl1pPr algn="l" defTabSz="914400" rtl="0" eaLnBrk="1" latinLnBrk="0" hangingPunct="1">
@@ -13796,6 +13832,16 @@
   <p:clrMapOvr>
     <a:masterClrMapping/>
   </p:clrMapOvr>
+  <p:transition spd="slow">
+    <p:blinds dir="vert"/>
+  </p:transition>
+  <p:timing>
+    <p:tnLst>
+      <p:par>
+        <p:cTn id="1" dur="indefinite" restart="never" nodeType="tmRoot"/>
+      </p:par>
+    </p:tnLst>
+  </p:timing>
 </p:sld>
 </file>
 
@@ -13901,6 +13947,9 @@
   <p:clrMapOvr>
     <a:masterClrMapping/>
   </p:clrMapOvr>
+  <p:transition spd="slow">
+    <p:blinds dir="vert"/>
+  </p:transition>
   <p:timing>
     <p:tnLst>
       <p:par>
@@ -14598,6 +14647,9 @@
   <p:clrMapOvr>
     <a:masterClrMapping/>
   </p:clrMapOvr>
+  <p:transition spd="slow">
+    <p:blinds dir="vert"/>
+  </p:transition>
   <p:timing>
     <p:tnLst>
       <p:par>
@@ -14666,6 +14718,16 @@
   <p:clrMapOvr>
     <a:masterClrMapping/>
   </p:clrMapOvr>
+  <p:transition spd="slow">
+    <p:blinds dir="vert"/>
+  </p:transition>
+  <p:timing>
+    <p:tnLst>
+      <p:par>
+        <p:cTn id="1" dur="indefinite" restart="never" nodeType="tmRoot"/>
+      </p:par>
+    </p:tnLst>
+  </p:timing>
 </p:sld>
 </file>
 
@@ -14774,6 +14836,16 @@
   <p:clrMapOvr>
     <a:masterClrMapping/>
   </p:clrMapOvr>
+  <p:transition spd="slow">
+    <p:blinds dir="vert"/>
+  </p:transition>
+  <p:timing>
+    <p:tnLst>
+      <p:par>
+        <p:cTn id="1" dur="indefinite" restart="never" nodeType="tmRoot"/>
+      </p:par>
+    </p:tnLst>
+  </p:timing>
 </p:sld>
 </file>
 
@@ -14926,6 +14998,16 @@
   <p:clrMapOvr>
     <a:masterClrMapping/>
   </p:clrMapOvr>
+  <p:transition spd="slow">
+    <p:blinds dir="vert"/>
+  </p:transition>
+  <p:timing>
+    <p:tnLst>
+      <p:par>
+        <p:cTn id="1" dur="indefinite" restart="never" nodeType="tmRoot"/>
+      </p:par>
+    </p:tnLst>
+  </p:timing>
 </p:sld>
 </file>
 
@@ -15057,6 +15139,9 @@
   <p:clrMapOvr>
     <a:masterClrMapping/>
   </p:clrMapOvr>
+  <p:transition spd="slow">
+    <p:blinds dir="vert"/>
+  </p:transition>
   <p:timing>
     <p:tnLst>
       <p:par>
@@ -15289,6 +15374,9 @@
   <p:clrMapOvr>
     <a:masterClrMapping/>
   </p:clrMapOvr>
+  <p:transition spd="slow">
+    <p:blinds dir="vert"/>
+  </p:transition>
   <p:timing>
     <p:tnLst>
       <p:par>
@@ -15397,6 +15485,9 @@
   <p:clrMapOvr>
     <a:masterClrMapping/>
   </p:clrMapOvr>
+  <p:transition spd="slow">
+    <p:blinds dir="vert"/>
+  </p:transition>
   <p:timing>
     <p:tnLst>
       <p:par>
@@ -15519,6 +15610,9 @@
   <p:clrMapOvr>
     <a:masterClrMapping/>
   </p:clrMapOvr>
+  <p:transition spd="slow">
+    <p:blinds dir="vert"/>
+  </p:transition>
   <p:timing>
     <p:tnLst>
       <p:par>
@@ -15643,6 +15737,9 @@
   <p:clrMapOvr>
     <a:masterClrMapping/>
   </p:clrMapOvr>
+  <p:transition spd="slow">
+    <p:blinds dir="vert"/>
+  </p:transition>
   <p:timing>
     <p:tnLst>
       <p:par>
@@ -15767,6 +15864,9 @@
   <p:clrMapOvr>
     <a:masterClrMapping/>
   </p:clrMapOvr>
+  <p:transition spd="slow">
+    <p:blinds dir="vert"/>
+  </p:transition>
   <p:timing>
     <p:tnLst>
       <p:par>
@@ -15891,6 +15991,9 @@
   <p:clrMapOvr>
     <a:masterClrMapping/>
   </p:clrMapOvr>
+  <p:transition spd="slow">
+    <p:blinds dir="vert"/>
+  </p:transition>
   <p:timing>
     <p:tnLst>
       <p:par>
